--- a/Android/Android  개념 정리.pptx
+++ b/Android/Android  개념 정리.pptx
@@ -299,7 +299,7 @@
           <a:p>
             <a:fld id="{0701E38F-D71B-4628-B377-F26FA834EB07}" type="datetimeFigureOut">
               <a:rPr lang="ko-KR" altLang="en-US" smtClean="0"/>
-              <a:t>2022-12-07</a:t>
+              <a:t>2024-01-03</a:t>
             </a:fld>
             <a:endParaRPr lang="ko-KR" altLang="en-US"/>
           </a:p>
@@ -465,7 +465,7 @@
             <a:fld id="{BC75A1C1-99F9-4ED1-B968-97F8F766565C}" type="datetimeFigureOut">
               <a:rPr lang="ko-KR" altLang="en-US" smtClean="0"/>
               <a:pPr/>
-              <a:t>2022-12-07</a:t>
+              <a:t>2024-01-03</a:t>
             </a:fld>
             <a:endParaRPr lang="ko-KR" altLang="en-US"/>
           </a:p>
@@ -2715,14 +2715,7 @@
                 <a:latin typeface="HY헤드라인M" pitchFamily="18" charset="-127"/>
                 <a:ea typeface="HY헤드라인M" pitchFamily="18" charset="-127"/>
               </a:rPr>
-              <a:t>프로젝트 </a:t>
-            </a:r>
-            <a:r>
-              <a:rPr lang="ko-KR" altLang="en-US" sz="2400" dirty="0" smtClean="0">
-                <a:latin typeface="HY헤드라인M" pitchFamily="18" charset="-127"/>
-                <a:ea typeface="HY헤드라인M" pitchFamily="18" charset="-127"/>
-              </a:rPr>
-              <a:t>구성</a:t>
+              <a:t>프로젝트 구성</a:t>
             </a:r>
             <a:endParaRPr lang="ko-KR" altLang="en-US" sz="2400" dirty="0">
               <a:latin typeface="HY헤드라인M" pitchFamily="18" charset="-127"/>
@@ -3169,14 +3162,7 @@
                 <a:latin typeface="HY헤드라인M" pitchFamily="18" charset="-127"/>
                 <a:ea typeface="HY헤드라인M" pitchFamily="18" charset="-127"/>
               </a:rPr>
-              <a:t>프로젝트 </a:t>
-            </a:r>
-            <a:r>
-              <a:rPr lang="ko-KR" altLang="en-US" sz="2400" dirty="0" smtClean="0">
-                <a:latin typeface="HY헤드라인M" pitchFamily="18" charset="-127"/>
-                <a:ea typeface="HY헤드라인M" pitchFamily="18" charset="-127"/>
-              </a:rPr>
-              <a:t>빌드 고장</a:t>
+              <a:t>프로젝트 빌드 고장</a:t>
             </a:r>
             <a:endParaRPr lang="ko-KR" altLang="en-US" sz="2400" dirty="0">
               <a:latin typeface="HY헤드라인M" pitchFamily="18" charset="-127"/>
@@ -3437,14 +3423,7 @@
                 <a:latin typeface="HY헤드라인M" pitchFamily="18" charset="-127"/>
                 <a:ea typeface="HY헤드라인M" pitchFamily="18" charset="-127"/>
               </a:rPr>
-              <a:t>프로젝트 </a:t>
-            </a:r>
-            <a:r>
-              <a:rPr lang="ko-KR" altLang="en-US" sz="2400" dirty="0" smtClean="0">
-                <a:latin typeface="HY헤드라인M" pitchFamily="18" charset="-127"/>
-                <a:ea typeface="HY헤드라인M" pitchFamily="18" charset="-127"/>
-              </a:rPr>
-              <a:t>빌드 구성 파일</a:t>
+              <a:t>프로젝트 빌드 구성 파일</a:t>
             </a:r>
             <a:endParaRPr lang="ko-KR" altLang="en-US" sz="2400" dirty="0">
               <a:latin typeface="HY헤드라인M" pitchFamily="18" charset="-127"/>
@@ -11902,22 +11881,22 @@
                 <a:buChar char="§"/>
               </a:pPr>
               <a:r>
-                <a:rPr lang="ko-KR" altLang="en-US" sz="1200" dirty="0" smtClean="0">
+                <a:rPr lang="ko-KR" altLang="en-US" sz="1200" smtClean="0">
                   <a:latin typeface="+mn-ea"/>
                 </a:rPr>
                 <a:t>빌드 </a:t>
               </a:r>
               <a:r>
-                <a:rPr lang="ko-KR" altLang="en-US" sz="1200" dirty="0" err="1">
+                <a:rPr lang="ko-KR" altLang="en-US" sz="1200" smtClean="0">
                   <a:latin typeface="+mn-ea"/>
                 </a:rPr>
-                <a:t>맞춤설정을</a:t>
+                <a:t>맞춤 설정을 </a:t>
               </a:r>
               <a:r>
                 <a:rPr lang="ko-KR" altLang="en-US" sz="1200" dirty="0">
                   <a:latin typeface="+mn-ea"/>
                 </a:rPr>
-                <a:t> 시작할 수도 있습니다</a:t>
+                <a:t>시작할 수도 있습니다</a:t>
               </a:r>
               <a:r>
                 <a:rPr lang="en-US" altLang="ko-KR" sz="1200" dirty="0">
@@ -12719,14 +12698,7 @@
                 <a:latin typeface="HY헤드라인M" pitchFamily="18" charset="-127"/>
                 <a:ea typeface="HY헤드라인M" pitchFamily="18" charset="-127"/>
               </a:rPr>
-              <a:t>프로젝트 </a:t>
-            </a:r>
-            <a:r>
-              <a:rPr lang="ko-KR" altLang="en-US" sz="2400" dirty="0" smtClean="0">
-                <a:latin typeface="HY헤드라인M" pitchFamily="18" charset="-127"/>
-                <a:ea typeface="HY헤드라인M" pitchFamily="18" charset="-127"/>
-              </a:rPr>
-              <a:t>구성</a:t>
+              <a:t>프로젝트 구성</a:t>
             </a:r>
             <a:endParaRPr lang="ko-KR" altLang="en-US" sz="2400" dirty="0">
               <a:latin typeface="HY헤드라인M" pitchFamily="18" charset="-127"/>
@@ -13058,14 +13030,7 @@
                 <a:latin typeface="HY헤드라인M" pitchFamily="18" charset="-127"/>
                 <a:ea typeface="HY헤드라인M" pitchFamily="18" charset="-127"/>
               </a:rPr>
-              <a:t>프로젝트 </a:t>
-            </a:r>
-            <a:r>
-              <a:rPr lang="ko-KR" altLang="en-US" sz="2400" dirty="0" smtClean="0">
-                <a:latin typeface="HY헤드라인M" pitchFamily="18" charset="-127"/>
-                <a:ea typeface="HY헤드라인M" pitchFamily="18" charset="-127"/>
-              </a:rPr>
-              <a:t>구조</a:t>
+              <a:t>프로젝트 구조</a:t>
             </a:r>
             <a:endParaRPr lang="ko-KR" altLang="en-US" sz="2400" dirty="0">
               <a:latin typeface="HY헤드라인M" pitchFamily="18" charset="-127"/>
